--- a/TuneSense_Presentation.pptx
+++ b/TuneSense_Presentation.pptx
@@ -4335,34 +4335,51 @@
       </p:grpSpPr>
       <p:pic>
         <p:nvPicPr>
-          <p:cNvPr id="6" name="Content Placeholder 5" descr="Evaluation_Metrics_Illustration.png">
+          <p:cNvPr id="1026" name="Picture 2" descr="Generated image">
             <a:extLst>
               <a:ext uri="{FF2B5EF4-FFF2-40B4-BE49-F238E27FC236}">
-                <a16:creationId xmlns:a16="http://schemas.microsoft.com/office/drawing/2014/main" id="{6438CEEE-D6BB-2B35-AD5C-7337EA2036F7}"/>
+                <a16:creationId xmlns:a16="http://schemas.microsoft.com/office/drawing/2014/main" id="{62CDE4A1-ED0B-6BDD-E322-110DC7D4EF78}"/>
               </a:ext>
             </a:extLst>
           </p:cNvPr>
           <p:cNvPicPr>
-            <a:picLocks noGrp="1" noChangeAspect="1"/>
+            <a:picLocks noGrp="1" noChangeAspect="1" noChangeArrowheads="1"/>
           </p:cNvPicPr>
           <p:nvPr>
             <p:ph idx="1"/>
           </p:nvPr>
         </p:nvPicPr>
         <p:blipFill>
-          <a:blip r:embed="rId2"/>
+          <a:blip r:embed="rId2">
+            <a:extLst>
+              <a:ext uri="{28A0092B-C50C-407E-A947-70E740481C1C}">
+                <a14:useLocalDpi xmlns:a14="http://schemas.microsoft.com/office/drawing/2010/main" val="0"/>
+              </a:ext>
+            </a:extLst>
+          </a:blip>
+          <a:srcRect/>
           <a:stretch>
             <a:fillRect/>
           </a:stretch>
         </p:blipFill>
-        <p:spPr>
+        <p:spPr bwMode="auto">
           <a:xfrm>
-            <a:off x="577953" y="461871"/>
-            <a:ext cx="7988094" cy="5325397"/>
+            <a:off x="572306" y="625699"/>
+            <a:ext cx="7999388" cy="5332926"/>
           </a:xfrm>
           <a:prstGeom prst="rect">
             <a:avLst/>
           </a:prstGeom>
+          <a:noFill/>
+          <a:extLst>
+            <a:ext uri="{909E8E84-426E-40DD-AFC4-6F175D3DCCD1}">
+              <a14:hiddenFill xmlns:a14="http://schemas.microsoft.com/office/drawing/2010/main">
+                <a:solidFill>
+                  <a:srgbClr val="FFFFFF"/>
+                </a:solidFill>
+              </a14:hiddenFill>
+            </a:ext>
+          </a:extLst>
         </p:spPr>
       </p:pic>
     </p:spTree>

--- a/TuneSense_Presentation.pptx
+++ b/TuneSense_Presentation.pptx
@@ -4333,21 +4333,44 @@
           <a:chExt cx="0" cy="0"/>
         </a:xfrm>
       </p:grpSpPr>
+      <p:sp>
+        <p:nvSpPr>
+          <p:cNvPr id="2" name="Content Placeholder 1">
+            <a:extLst>
+              <a:ext uri="{FF2B5EF4-FFF2-40B4-BE49-F238E27FC236}">
+                <a16:creationId xmlns:a16="http://schemas.microsoft.com/office/drawing/2014/main" id="{F11E8746-CCE4-1F82-4ECD-B3EA62409E6D}"/>
+              </a:ext>
+            </a:extLst>
+          </p:cNvPr>
+          <p:cNvSpPr>
+            <a:spLocks noGrp="1"/>
+          </p:cNvSpPr>
+          <p:nvPr>
+            <p:ph idx="1"/>
+          </p:nvPr>
+        </p:nvSpPr>
+        <p:spPr/>
+        <p:txBody>
+          <a:bodyPr/>
+          <a:lstStyle/>
+          <a:p>
+            <a:endParaRPr lang="en-US" dirty="0"/>
+          </a:p>
+        </p:txBody>
+      </p:sp>
       <p:pic>
         <p:nvPicPr>
-          <p:cNvPr id="1026" name="Picture 2" descr="Generated image">
+          <p:cNvPr id="3" name="Picture 2">
             <a:extLst>
               <a:ext uri="{FF2B5EF4-FFF2-40B4-BE49-F238E27FC236}">
-                <a16:creationId xmlns:a16="http://schemas.microsoft.com/office/drawing/2014/main" id="{62CDE4A1-ED0B-6BDD-E322-110DC7D4EF78}"/>
+                <a16:creationId xmlns:a16="http://schemas.microsoft.com/office/drawing/2014/main" id="{A9149E6A-FE54-40AA-E892-24957E7716A1}"/>
               </a:ext>
             </a:extLst>
           </p:cNvPr>
           <p:cNvPicPr>
-            <a:picLocks noGrp="1" noChangeAspect="1" noChangeArrowheads="1"/>
+            <a:picLocks noChangeAspect="1" noChangeArrowheads="1"/>
           </p:cNvPicPr>
-          <p:nvPr>
-            <p:ph idx="1"/>
-          </p:nvPr>
+          <p:nvPr/>
         </p:nvPicPr>
         <p:blipFill>
           <a:blip r:embed="rId2">
@@ -4364,8 +4387,8 @@
         </p:blipFill>
         <p:spPr bwMode="auto">
           <a:xfrm>
-            <a:off x="572306" y="625699"/>
-            <a:ext cx="7999388" cy="5332926"/>
+            <a:off x="0" y="381000"/>
+            <a:ext cx="9144000" cy="6096000"/>
           </a:xfrm>
           <a:prstGeom prst="rect">
             <a:avLst/>
